--- a/课件/第三节课/python基础标准课件.pptx
+++ b/课件/第三节课/python基础标准课件.pptx
@@ -214,7 +214,7 @@
           <a:p>
             <a:fld id="{8433A6C2-DE8C-7E42-BA65-3FA1EC1B3076}" type="datetimeFigureOut">
               <a:rPr kumimoji="1" lang="zh-CN" altLang="en-US" smtClean="0"/>
-              <a:t>2018/4/13</a:t>
+              <a:t>2018/4/23</a:t>
             </a:fld>
             <a:endParaRPr kumimoji="1" lang="zh-CN" altLang="en-US"/>
           </a:p>
@@ -374,7 +374,7 @@
           <a:p>
             <a:fld id="{407B7494-D075-4932-B485-21A15FEF2165}" type="datetimeFigureOut">
               <a:rPr lang="zh-CN" altLang="en-US" smtClean="0"/>
-              <a:t>2018/4/13</a:t>
+              <a:t>2018/4/23</a:t>
             </a:fld>
             <a:endParaRPr lang="zh-CN" altLang="en-US"/>
           </a:p>
@@ -971,7 +971,7 @@
           <a:p>
             <a:fld id="{1E333D41-EAB8-40B2-B281-A120D466E23B}" type="datetimeFigureOut">
               <a:rPr lang="zh-CN" altLang="en-US" smtClean="0"/>
-              <a:t>2018/4/13</a:t>
+              <a:t>2018/4/23</a:t>
             </a:fld>
             <a:endParaRPr lang="zh-CN" altLang="en-US"/>
           </a:p>
@@ -1218,7 +1218,7 @@
           <a:p>
             <a:fld id="{1E333D41-EAB8-40B2-B281-A120D466E23B}" type="datetimeFigureOut">
               <a:rPr lang="zh-CN" altLang="en-US" smtClean="0"/>
-              <a:t>2018/4/13</a:t>
+              <a:t>2018/4/23</a:t>
             </a:fld>
             <a:endParaRPr lang="zh-CN" altLang="en-US"/>
           </a:p>
@@ -1381,7 +1381,7 @@
           <a:p>
             <a:fld id="{1E333D41-EAB8-40B2-B281-A120D466E23B}" type="datetimeFigureOut">
               <a:rPr lang="zh-CN" altLang="en-US" smtClean="0"/>
-              <a:t>2018/4/13</a:t>
+              <a:t>2018/4/23</a:t>
             </a:fld>
             <a:endParaRPr lang="zh-CN" altLang="en-US"/>
           </a:p>
@@ -1554,7 +1554,7 @@
           <a:p>
             <a:fld id="{1E333D41-EAB8-40B2-B281-A120D466E23B}" type="datetimeFigureOut">
               <a:rPr lang="zh-CN" altLang="en-US" smtClean="0"/>
-              <a:t>2018/4/13</a:t>
+              <a:t>2018/4/23</a:t>
             </a:fld>
             <a:endParaRPr lang="zh-CN" altLang="en-US"/>
           </a:p>
@@ -1739,7 +1739,7 @@
           <a:p>
             <a:fld id="{67DC8ECF-C17C-9547-9729-DC0BA14056B1}" type="datetimeFigureOut">
               <a:rPr kumimoji="1" lang="zh-CN" altLang="en-US" smtClean="0"/>
-              <a:t>2018/4/13</a:t>
+              <a:t>2018/4/23</a:t>
             </a:fld>
             <a:endParaRPr kumimoji="1" lang="zh-CN" altLang="en-US"/>
           </a:p>
@@ -1902,7 +1902,7 @@
           <a:p>
             <a:fld id="{67DC8ECF-C17C-9547-9729-DC0BA14056B1}" type="datetimeFigureOut">
               <a:rPr kumimoji="1" lang="zh-CN" altLang="en-US" smtClean="0"/>
-              <a:t>2018/4/13</a:t>
+              <a:t>2018/4/23</a:t>
             </a:fld>
             <a:endParaRPr kumimoji="1" lang="zh-CN" altLang="en-US"/>
           </a:p>
@@ -2142,7 +2142,7 @@
           <a:p>
             <a:fld id="{67DC8ECF-C17C-9547-9729-DC0BA14056B1}" type="datetimeFigureOut">
               <a:rPr kumimoji="1" lang="zh-CN" altLang="en-US" smtClean="0"/>
-              <a:t>2018/4/13</a:t>
+              <a:t>2018/4/23</a:t>
             </a:fld>
             <a:endParaRPr kumimoji="1" lang="zh-CN" altLang="en-US"/>
           </a:p>
@@ -2366,7 +2366,7 @@
           <a:p>
             <a:fld id="{67DC8ECF-C17C-9547-9729-DC0BA14056B1}" type="datetimeFigureOut">
               <a:rPr kumimoji="1" lang="zh-CN" altLang="en-US" smtClean="0"/>
-              <a:t>2018/4/13</a:t>
+              <a:t>2018/4/23</a:t>
             </a:fld>
             <a:endParaRPr kumimoji="1" lang="zh-CN" altLang="en-US"/>
           </a:p>
@@ -2725,7 +2725,7 @@
           <a:p>
             <a:fld id="{67DC8ECF-C17C-9547-9729-DC0BA14056B1}" type="datetimeFigureOut">
               <a:rPr kumimoji="1" lang="zh-CN" altLang="en-US" smtClean="0"/>
-              <a:t>2018/4/13</a:t>
+              <a:t>2018/4/23</a:t>
             </a:fld>
             <a:endParaRPr kumimoji="1" lang="zh-CN" altLang="en-US"/>
           </a:p>
@@ -2837,7 +2837,7 @@
           <a:p>
             <a:fld id="{67DC8ECF-C17C-9547-9729-DC0BA14056B1}" type="datetimeFigureOut">
               <a:rPr kumimoji="1" lang="zh-CN" altLang="en-US" smtClean="0"/>
-              <a:t>2018/4/13</a:t>
+              <a:t>2018/4/23</a:t>
             </a:fld>
             <a:endParaRPr kumimoji="1" lang="zh-CN" altLang="en-US"/>
           </a:p>
@@ -2927,7 +2927,7 @@
           <a:p>
             <a:fld id="{67DC8ECF-C17C-9547-9729-DC0BA14056B1}" type="datetimeFigureOut">
               <a:rPr kumimoji="1" lang="zh-CN" altLang="en-US" smtClean="0"/>
-              <a:t>2018/4/13</a:t>
+              <a:t>2018/4/23</a:t>
             </a:fld>
             <a:endParaRPr kumimoji="1" lang="zh-CN" altLang="en-US"/>
           </a:p>
@@ -3090,7 +3090,7 @@
           <a:p>
             <a:fld id="{1E333D41-EAB8-40B2-B281-A120D466E23B}" type="datetimeFigureOut">
               <a:rPr lang="zh-CN" altLang="en-US" smtClean="0"/>
-              <a:t>2018/4/13</a:t>
+              <a:t>2018/4/23</a:t>
             </a:fld>
             <a:endParaRPr lang="zh-CN" altLang="en-US"/>
           </a:p>
@@ -3360,7 +3360,7 @@
           <a:p>
             <a:fld id="{67DC8ECF-C17C-9547-9729-DC0BA14056B1}" type="datetimeFigureOut">
               <a:rPr kumimoji="1" lang="zh-CN" altLang="en-US" smtClean="0"/>
-              <a:t>2018/4/13</a:t>
+              <a:t>2018/4/23</a:t>
             </a:fld>
             <a:endParaRPr kumimoji="1" lang="zh-CN" altLang="en-US"/>
           </a:p>
@@ -3607,7 +3607,7 @@
           <a:p>
             <a:fld id="{67DC8ECF-C17C-9547-9729-DC0BA14056B1}" type="datetimeFigureOut">
               <a:rPr kumimoji="1" lang="zh-CN" altLang="en-US" smtClean="0"/>
-              <a:t>2018/4/13</a:t>
+              <a:t>2018/4/23</a:t>
             </a:fld>
             <a:endParaRPr kumimoji="1" lang="zh-CN" altLang="en-US"/>
           </a:p>
@@ -3770,7 +3770,7 @@
           <a:p>
             <a:fld id="{67DC8ECF-C17C-9547-9729-DC0BA14056B1}" type="datetimeFigureOut">
               <a:rPr kumimoji="1" lang="zh-CN" altLang="en-US" smtClean="0"/>
-              <a:t>2018/4/13</a:t>
+              <a:t>2018/4/23</a:t>
             </a:fld>
             <a:endParaRPr kumimoji="1" lang="zh-CN" altLang="en-US"/>
           </a:p>
@@ -3943,7 +3943,7 @@
           <a:p>
             <a:fld id="{67DC8ECF-C17C-9547-9729-DC0BA14056B1}" type="datetimeFigureOut">
               <a:rPr kumimoji="1" lang="zh-CN" altLang="en-US" smtClean="0"/>
-              <a:t>2018/4/13</a:t>
+              <a:t>2018/4/23</a:t>
             </a:fld>
             <a:endParaRPr kumimoji="1" lang="zh-CN" altLang="en-US"/>
           </a:p>
@@ -4183,7 +4183,7 @@
           <a:p>
             <a:fld id="{1E333D41-EAB8-40B2-B281-A120D466E23B}" type="datetimeFigureOut">
               <a:rPr lang="zh-CN" altLang="en-US" smtClean="0"/>
-              <a:t>2018/4/13</a:t>
+              <a:t>2018/4/23</a:t>
             </a:fld>
             <a:endParaRPr lang="zh-CN" altLang="en-US"/>
           </a:p>
@@ -4407,7 +4407,7 @@
           <a:p>
             <a:fld id="{1E333D41-EAB8-40B2-B281-A120D466E23B}" type="datetimeFigureOut">
               <a:rPr lang="zh-CN" altLang="en-US" smtClean="0"/>
-              <a:t>2018/4/13</a:t>
+              <a:t>2018/4/23</a:t>
             </a:fld>
             <a:endParaRPr lang="zh-CN" altLang="en-US"/>
           </a:p>
@@ -4766,7 +4766,7 @@
           <a:p>
             <a:fld id="{1E333D41-EAB8-40B2-B281-A120D466E23B}" type="datetimeFigureOut">
               <a:rPr lang="zh-CN" altLang="en-US" smtClean="0"/>
-              <a:t>2018/4/13</a:t>
+              <a:t>2018/4/23</a:t>
             </a:fld>
             <a:endParaRPr lang="zh-CN" altLang="en-US"/>
           </a:p>
@@ -4878,7 +4878,7 @@
           <a:p>
             <a:fld id="{1E333D41-EAB8-40B2-B281-A120D466E23B}" type="datetimeFigureOut">
               <a:rPr lang="zh-CN" altLang="en-US" smtClean="0"/>
-              <a:t>2018/4/13</a:t>
+              <a:t>2018/4/23</a:t>
             </a:fld>
             <a:endParaRPr lang="zh-CN" altLang="en-US"/>
           </a:p>
@@ -5570,7 +5570,7 @@
           <a:p>
             <a:fld id="{1E333D41-EAB8-40B2-B281-A120D466E23B}" type="datetimeFigureOut">
               <a:rPr lang="zh-CN" altLang="en-US" smtClean="0"/>
-              <a:t>2018/4/13</a:t>
+              <a:t>2018/4/23</a:t>
             </a:fld>
             <a:endParaRPr lang="zh-CN" altLang="en-US"/>
           </a:p>
@@ -5776,7 +5776,7 @@
           <a:p>
             <a:fld id="{F969584D-572C-6B44-88BE-488C33AA6CF5}" type="datetimeFigureOut">
               <a:rPr kumimoji="1" lang="zh-CN" altLang="en-US" smtClean="0"/>
-              <a:t>2018/4/13</a:t>
+              <a:t>2018/4/23</a:t>
             </a:fld>
             <a:endParaRPr kumimoji="1" lang="zh-CN" altLang="en-US"/>
           </a:p>
@@ -6894,7 +6894,7 @@
           <a:p>
             <a:fld id="{1E333D41-EAB8-40B2-B281-A120D466E23B}" type="datetimeFigureOut">
               <a:rPr lang="zh-CN" altLang="en-US" smtClean="0"/>
-              <a:t>2018/4/13</a:t>
+              <a:t>2018/4/23</a:t>
             </a:fld>
             <a:endParaRPr lang="zh-CN" altLang="en-US"/>
           </a:p>
@@ -7428,7 +7428,7 @@
           <a:p>
             <a:fld id="{67DC8ECF-C17C-9547-9729-DC0BA14056B1}" type="datetimeFigureOut">
               <a:rPr kumimoji="1" lang="zh-CN" altLang="en-US" smtClean="0"/>
-              <a:t>2018/4/13</a:t>
+              <a:t>2018/4/23</a:t>
             </a:fld>
             <a:endParaRPr kumimoji="1" lang="zh-CN" altLang="en-US"/>
           </a:p>
@@ -8690,7 +8690,7 @@
                 <a:latin typeface="微软雅黑" panose="020B0503020204020204" pitchFamily="34" charset="-122"/>
                 <a:ea typeface="微软雅黑" panose="020B0503020204020204" pitchFamily="34" charset="-122"/>
               </a:rPr>
-              <a:t>讲师：不动   时间：</a:t>
+              <a:t>讲师：山泉   时间：</a:t>
             </a:r>
             <a:r>
               <a:rPr lang="en-US" altLang="zh-CN" sz="1600" dirty="0">
@@ -8723,17 +8723,17 @@
               <a:t>年</a:t>
             </a:r>
             <a:r>
-              <a:rPr lang="en-US" altLang="zh-CN" sz="1600">
+              <a:rPr lang="en-US" altLang="zh-CN" sz="1600" dirty="0">
                 <a:solidFill>
                   <a:srgbClr val="784B23"/>
                 </a:solidFill>
                 <a:latin typeface="微软雅黑" panose="020B0503020204020204" pitchFamily="34" charset="-122"/>
                 <a:ea typeface="微软雅黑" panose="020B0503020204020204" pitchFamily="34" charset="-122"/>
               </a:rPr>
-              <a:t>1</a:t>
+              <a:t>4</a:t>
             </a:r>
             <a:r>
-              <a:rPr lang="zh-CN" altLang="en-US" sz="1600">
+              <a:rPr lang="zh-CN" altLang="en-US" sz="1600" dirty="0">
                 <a:solidFill>
                   <a:srgbClr val="784B23"/>
                 </a:solidFill>
@@ -8742,13 +8742,6 @@
               </a:rPr>
               <a:t>月</a:t>
             </a:r>
-            <a:endParaRPr lang="zh-CN" altLang="en-US" sz="1600" dirty="0">
-              <a:solidFill>
-                <a:srgbClr val="784B23"/>
-              </a:solidFill>
-              <a:latin typeface="微软雅黑" panose="020B0503020204020204" pitchFamily="34" charset="-122"/>
-              <a:ea typeface="微软雅黑" panose="020B0503020204020204" pitchFamily="34" charset="-122"/>
-            </a:endParaRPr>
           </a:p>
         </p:txBody>
       </p:sp>
@@ -9189,7 +9182,7 @@
         </p:nvSpPr>
         <p:spPr>
           <a:xfrm>
-            <a:off x="0" y="0"/>
+            <a:off x="-75523" y="13702"/>
             <a:ext cx="12192000" cy="6858000"/>
           </a:xfrm>
           <a:prstGeom prst="rect">
@@ -19761,7 +19754,7 @@
                 <a:latin typeface="微软雅黑" panose="020B0503020204020204" pitchFamily="34" charset="-122"/>
                 <a:ea typeface="微软雅黑" panose="020B0503020204020204" pitchFamily="34" charset="-122"/>
               </a:rPr>
-              <a:t>环境        和       工具</a:t>
+              <a:t>环境          工具</a:t>
             </a:r>
           </a:p>
         </p:txBody>
@@ -19802,6 +19795,219 @@
           </a:p>
         </p:txBody>
       </p:sp>
+      <p:sp>
+        <p:nvSpPr>
+          <p:cNvPr id="69" name="矩形 68">
+            <a:extLst>
+              <a:ext uri="{FF2B5EF4-FFF2-40B4-BE49-F238E27FC236}">
+                <a16:creationId xmlns:a16="http://schemas.microsoft.com/office/drawing/2014/main" id="{429A3F27-E6D2-4823-A82A-A4E6C6A8F41A}"/>
+              </a:ext>
+            </a:extLst>
+          </p:cNvPr>
+          <p:cNvSpPr/>
+          <p:nvPr/>
+        </p:nvSpPr>
+        <p:spPr>
+          <a:xfrm>
+            <a:off x="1882653" y="4690134"/>
+            <a:ext cx="4204936" cy="337185"/>
+          </a:xfrm>
+          <a:prstGeom prst="rect">
+            <a:avLst/>
+          </a:prstGeom>
+        </p:spPr>
+        <p:txBody>
+          <a:bodyPr wrap="square">
+            <a:spAutoFit/>
+          </a:bodyPr>
+          <a:lstStyle/>
+          <a:p>
+            <a:r>
+              <a:rPr lang="en-US" altLang="zh-CN" sz="1600" b="1" dirty="0" err="1">
+                <a:solidFill>
+                  <a:schemeClr val="bg1">
+                    <a:lumMod val="50000"/>
+                  </a:schemeClr>
+                </a:solidFill>
+                <a:latin typeface="微软雅黑" panose="020B0503020204020204" pitchFamily="34" charset="-122"/>
+                <a:ea typeface="微软雅黑" panose="020B0503020204020204" pitchFamily="34" charset="-122"/>
+              </a:rPr>
+              <a:t>Github</a:t>
+            </a:r>
+            <a:r>
+              <a:rPr lang="en-US" altLang="zh-CN" sz="1600" b="1" dirty="0">
+                <a:solidFill>
+                  <a:schemeClr val="bg1">
+                    <a:lumMod val="50000"/>
+                  </a:schemeClr>
+                </a:solidFill>
+                <a:latin typeface="微软雅黑" panose="020B0503020204020204" pitchFamily="34" charset="-122"/>
+                <a:ea typeface="微软雅黑" panose="020B0503020204020204" pitchFamily="34" charset="-122"/>
+              </a:rPr>
+              <a:t> </a:t>
+            </a:r>
+            <a:r>
+              <a:rPr lang="zh-CN" altLang="en-US" sz="1600" b="1" dirty="0">
+                <a:solidFill>
+                  <a:schemeClr val="bg1">
+                    <a:lumMod val="50000"/>
+                  </a:schemeClr>
+                </a:solidFill>
+                <a:latin typeface="微软雅黑" panose="020B0503020204020204" pitchFamily="34" charset="-122"/>
+                <a:ea typeface="微软雅黑" panose="020B0503020204020204" pitchFamily="34" charset="-122"/>
+              </a:rPr>
+              <a:t>    作业</a:t>
+            </a:r>
+          </a:p>
+        </p:txBody>
+      </p:sp>
+      <p:grpSp>
+        <p:nvGrpSpPr>
+          <p:cNvPr id="73" name="Group 129">
+            <a:extLst>
+              <a:ext uri="{FF2B5EF4-FFF2-40B4-BE49-F238E27FC236}">
+                <a16:creationId xmlns:a16="http://schemas.microsoft.com/office/drawing/2014/main" id="{5557F4F1-1741-4F32-B945-B2D23808244C}"/>
+              </a:ext>
+            </a:extLst>
+          </p:cNvPr>
+          <p:cNvGrpSpPr/>
+          <p:nvPr/>
+        </p:nvGrpSpPr>
+        <p:grpSpPr>
+          <a:xfrm>
+            <a:off x="801816" y="4445192"/>
+            <a:ext cx="864665" cy="865389"/>
+            <a:chOff x="2779491" y="2517212"/>
+            <a:chExt cx="648499" cy="649042"/>
+          </a:xfrm>
+        </p:grpSpPr>
+        <p:sp>
+          <p:nvSpPr>
+            <p:cNvPr id="74" name="Oval 75">
+              <a:extLst>
+                <a:ext uri="{FF2B5EF4-FFF2-40B4-BE49-F238E27FC236}">
+                  <a16:creationId xmlns:a16="http://schemas.microsoft.com/office/drawing/2014/main" id="{962C73F6-2AB0-4BE5-9CE5-8FB11D43FD49}"/>
+                </a:ext>
+              </a:extLst>
+            </p:cNvPr>
+            <p:cNvSpPr>
+              <a:spLocks noChangeAspect="1"/>
+            </p:cNvSpPr>
+            <p:nvPr/>
+          </p:nvSpPr>
+          <p:spPr>
+            <a:xfrm>
+              <a:off x="2779491" y="2517212"/>
+              <a:ext cx="648499" cy="649042"/>
+            </a:xfrm>
+            <a:prstGeom prst="ellipse">
+              <a:avLst/>
+            </a:prstGeom>
+            <a:solidFill>
+              <a:schemeClr val="accent2">
+                <a:lumMod val="40000"/>
+                <a:lumOff val="60000"/>
+              </a:schemeClr>
+            </a:solidFill>
+            <a:ln w="19050">
+              <a:noFill/>
+            </a:ln>
+          </p:spPr>
+          <p:style>
+            <a:lnRef idx="2">
+              <a:schemeClr val="accent1">
+                <a:shade val="50000"/>
+              </a:schemeClr>
+            </a:lnRef>
+            <a:fillRef idx="1">
+              <a:schemeClr val="accent1"/>
+            </a:fillRef>
+            <a:effectRef idx="0">
+              <a:schemeClr val="accent1"/>
+            </a:effectRef>
+            <a:fontRef idx="minor">
+              <a:schemeClr val="lt1"/>
+            </a:fontRef>
+          </p:style>
+          <p:txBody>
+            <a:bodyPr rtlCol="0" anchor="ctr"/>
+            <a:lstStyle/>
+            <a:p>
+              <a:pPr algn="ctr"/>
+              <a:endParaRPr lang="en-US" sz="135" b="1" dirty="0">
+                <a:solidFill>
+                  <a:schemeClr val="bg1"/>
+                </a:solidFill>
+                <a:latin typeface="+mj-lt"/>
+              </a:endParaRPr>
+            </a:p>
+          </p:txBody>
+        </p:sp>
+        <p:sp>
+          <p:nvSpPr>
+            <p:cNvPr id="76" name="Oval 76">
+              <a:extLst>
+                <a:ext uri="{FF2B5EF4-FFF2-40B4-BE49-F238E27FC236}">
+                  <a16:creationId xmlns:a16="http://schemas.microsoft.com/office/drawing/2014/main" id="{2B52EBF2-58B1-4939-B550-0448740B6CF2}"/>
+                </a:ext>
+              </a:extLst>
+            </p:cNvPr>
+            <p:cNvSpPr>
+              <a:spLocks noChangeAspect="1"/>
+            </p:cNvSpPr>
+            <p:nvPr/>
+          </p:nvSpPr>
+          <p:spPr>
+            <a:xfrm>
+              <a:off x="2854318" y="2592102"/>
+              <a:ext cx="498845" cy="499263"/>
+            </a:xfrm>
+            <a:prstGeom prst="ellipse">
+              <a:avLst/>
+            </a:prstGeom>
+            <a:solidFill>
+              <a:schemeClr val="accent2"/>
+            </a:solidFill>
+            <a:ln w="19050">
+              <a:noFill/>
+            </a:ln>
+          </p:spPr>
+          <p:style>
+            <a:lnRef idx="2">
+              <a:schemeClr val="accent1">
+                <a:shade val="50000"/>
+              </a:schemeClr>
+            </a:lnRef>
+            <a:fillRef idx="1">
+              <a:schemeClr val="accent1"/>
+            </a:fillRef>
+            <a:effectRef idx="0">
+              <a:schemeClr val="accent1"/>
+            </a:effectRef>
+            <a:fontRef idx="minor">
+              <a:schemeClr val="lt1"/>
+            </a:fontRef>
+          </p:style>
+          <p:txBody>
+            <a:bodyPr rtlCol="0" anchor="ctr"/>
+            <a:lstStyle/>
+            <a:p>
+              <a:pPr algn="ctr"/>
+              <a:r>
+                <a:rPr lang="en-US" sz="1600" b="1" dirty="0">
+                  <a:solidFill>
+                    <a:schemeClr val="bg1"/>
+                  </a:solidFill>
+                </a:rPr>
+                <a:t>02</a:t>
+              </a:r>
+              <a:endParaRPr lang="en-US" sz="1600" b="1" dirty="0">
+                <a:latin typeface="+mj-lt"/>
+              </a:endParaRPr>
+            </a:p>
+          </p:txBody>
+        </p:sp>
+      </p:grpSp>
     </p:spTree>
   </p:cSld>
   <p:clrMapOvr>
@@ -20139,6 +20345,140 @@
                             </p:childTnLst>
                           </p:cTn>
                         </p:par>
+                        <p:par>
+                          <p:cTn id="27" fill="hold">
+                            <p:stCondLst>
+                              <p:cond delay="3000"/>
+                            </p:stCondLst>
+                            <p:childTnLst>
+                              <p:par>
+                                <p:cTn id="28" presetID="10" presetClass="entr" presetSubtype="0" fill="hold" grpId="0" nodeType="afterEffect">
+                                  <p:stCondLst>
+                                    <p:cond delay="0"/>
+                                  </p:stCondLst>
+                                  <p:childTnLst>
+                                    <p:set>
+                                      <p:cBhvr>
+                                        <p:cTn id="29" dur="1" fill="hold">
+                                          <p:stCondLst>
+                                            <p:cond delay="0"/>
+                                          </p:stCondLst>
+                                        </p:cTn>
+                                        <p:tgtEl>
+                                          <p:spTgt spid="69"/>
+                                        </p:tgtEl>
+                                        <p:attrNameLst>
+                                          <p:attrName>style.visibility</p:attrName>
+                                        </p:attrNameLst>
+                                      </p:cBhvr>
+                                      <p:to>
+                                        <p:strVal val="visible"/>
+                                      </p:to>
+                                    </p:set>
+                                    <p:animEffect transition="in" filter="fade">
+                                      <p:cBhvr>
+                                        <p:cTn id="30" dur="500"/>
+                                        <p:tgtEl>
+                                          <p:spTgt spid="69"/>
+                                        </p:tgtEl>
+                                      </p:cBhvr>
+                                    </p:animEffect>
+                                  </p:childTnLst>
+                                </p:cTn>
+                              </p:par>
+                            </p:childTnLst>
+                          </p:cTn>
+                        </p:par>
+                        <p:par>
+                          <p:cTn id="31" fill="hold">
+                            <p:stCondLst>
+                              <p:cond delay="3500"/>
+                            </p:stCondLst>
+                            <p:childTnLst>
+                              <p:par>
+                                <p:cTn id="32" presetID="53" presetClass="entr" presetSubtype="16" fill="hold" nodeType="afterEffect">
+                                  <p:stCondLst>
+                                    <p:cond delay="0"/>
+                                  </p:stCondLst>
+                                  <p:childTnLst>
+                                    <p:set>
+                                      <p:cBhvr>
+                                        <p:cTn id="33" dur="1" fill="hold">
+                                          <p:stCondLst>
+                                            <p:cond delay="0"/>
+                                          </p:stCondLst>
+                                        </p:cTn>
+                                        <p:tgtEl>
+                                          <p:spTgt spid="73"/>
+                                        </p:tgtEl>
+                                        <p:attrNameLst>
+                                          <p:attrName>style.visibility</p:attrName>
+                                        </p:attrNameLst>
+                                      </p:cBhvr>
+                                      <p:to>
+                                        <p:strVal val="visible"/>
+                                      </p:to>
+                                    </p:set>
+                                    <p:anim calcmode="lin" valueType="num">
+                                      <p:cBhvr>
+                                        <p:cTn id="34" dur="500" fill="hold"/>
+                                        <p:tgtEl>
+                                          <p:spTgt spid="73"/>
+                                        </p:tgtEl>
+                                        <p:attrNameLst>
+                                          <p:attrName>ppt_w</p:attrName>
+                                        </p:attrNameLst>
+                                      </p:cBhvr>
+                                      <p:tavLst>
+                                        <p:tav tm="0">
+                                          <p:val>
+                                            <p:fltVal val="0"/>
+                                          </p:val>
+                                        </p:tav>
+                                        <p:tav tm="100000">
+                                          <p:val>
+                                            <p:strVal val="#ppt_w"/>
+                                          </p:val>
+                                        </p:tav>
+                                      </p:tavLst>
+                                    </p:anim>
+                                    <p:anim calcmode="lin" valueType="num">
+                                      <p:cBhvr>
+                                        <p:cTn id="35" dur="500" fill="hold"/>
+                                        <p:tgtEl>
+                                          <p:spTgt spid="73"/>
+                                        </p:tgtEl>
+                                        <p:attrNameLst>
+                                          <p:attrName>ppt_h</p:attrName>
+                                        </p:attrNameLst>
+                                      </p:cBhvr>
+                                      <p:tavLst>
+                                        <p:tav tm="0">
+                                          <p:val>
+                                            <p:fltVal val="0"/>
+                                          </p:val>
+                                        </p:tav>
+                                        <p:tav tm="100000">
+                                          <p:val>
+                                            <p:strVal val="#ppt_h"/>
+                                          </p:val>
+                                        </p:tav>
+                                      </p:tavLst>
+                                    </p:anim>
+                                    <p:animEffect transition="in" filter="fade">
+                                      <p:cBhvr>
+                                        <p:cTn id="36" dur="500"/>
+                                        <p:tgtEl>
+                                          <p:spTgt spid="73"/>
+                                        </p:tgtEl>
+                                      </p:cBhvr>
+                                    </p:animEffect>
+                                  </p:childTnLst>
+                                </p:cTn>
+                              </p:par>
+                            </p:childTnLst>
+                          </p:cTn>
+                        </p:par>
                       </p:childTnLst>
                     </p:cTn>
                   </p:par>
@@ -20167,6 +20507,7 @@
       <p:bldP spid="3" grpId="0" animBg="1"/>
       <p:bldP spid="75" grpId="0"/>
       <p:bldP spid="79" grpId="0"/>
+      <p:bldP spid="69" grpId="0"/>
     </p:bldLst>
   </p:timing>
 </p:sld>
